--- a/doc/Presentation.pptx
+++ b/doc/Presentation.pptx
@@ -270,7 +270,7 @@
           <a:p>
             <a:fld id="{C4383D76-3146-4541-A43A-3971895D425F}" type="datetimeFigureOut">
               <a:rPr lang="zh-CN" altLang="en-US" smtClean="0"/>
-              <a:t>2022/5/22</a:t>
+              <a:t>2022/5/23</a:t>
             </a:fld>
             <a:endParaRPr lang="zh-CN" altLang="en-US"/>
           </a:p>
@@ -440,7 +440,7 @@
           <a:p>
             <a:fld id="{C4383D76-3146-4541-A43A-3971895D425F}" type="datetimeFigureOut">
               <a:rPr lang="zh-CN" altLang="en-US" smtClean="0"/>
-              <a:t>2022/5/22</a:t>
+              <a:t>2022/5/23</a:t>
             </a:fld>
             <a:endParaRPr lang="zh-CN" altLang="en-US"/>
           </a:p>
@@ -620,7 +620,7 @@
           <a:p>
             <a:fld id="{C4383D76-3146-4541-A43A-3971895D425F}" type="datetimeFigureOut">
               <a:rPr lang="zh-CN" altLang="en-US" smtClean="0"/>
-              <a:t>2022/5/22</a:t>
+              <a:t>2022/5/23</a:t>
             </a:fld>
             <a:endParaRPr lang="zh-CN" altLang="en-US"/>
           </a:p>
@@ -790,7 +790,7 @@
           <a:p>
             <a:fld id="{C4383D76-3146-4541-A43A-3971895D425F}" type="datetimeFigureOut">
               <a:rPr lang="zh-CN" altLang="en-US" smtClean="0"/>
-              <a:t>2022/5/22</a:t>
+              <a:t>2022/5/23</a:t>
             </a:fld>
             <a:endParaRPr lang="zh-CN" altLang="en-US"/>
           </a:p>
@@ -1036,7 +1036,7 @@
           <a:p>
             <a:fld id="{C4383D76-3146-4541-A43A-3971895D425F}" type="datetimeFigureOut">
               <a:rPr lang="zh-CN" altLang="en-US" smtClean="0"/>
-              <a:t>2022/5/22</a:t>
+              <a:t>2022/5/23</a:t>
             </a:fld>
             <a:endParaRPr lang="zh-CN" altLang="en-US"/>
           </a:p>
@@ -1268,7 +1268,7 @@
           <a:p>
             <a:fld id="{C4383D76-3146-4541-A43A-3971895D425F}" type="datetimeFigureOut">
               <a:rPr lang="zh-CN" altLang="en-US" smtClean="0"/>
-              <a:t>2022/5/22</a:t>
+              <a:t>2022/5/23</a:t>
             </a:fld>
             <a:endParaRPr lang="zh-CN" altLang="en-US"/>
           </a:p>
@@ -1635,7 +1635,7 @@
           <a:p>
             <a:fld id="{C4383D76-3146-4541-A43A-3971895D425F}" type="datetimeFigureOut">
               <a:rPr lang="zh-CN" altLang="en-US" smtClean="0"/>
-              <a:t>2022/5/22</a:t>
+              <a:t>2022/5/23</a:t>
             </a:fld>
             <a:endParaRPr lang="zh-CN" altLang="en-US"/>
           </a:p>
@@ -1753,7 +1753,7 @@
           <a:p>
             <a:fld id="{C4383D76-3146-4541-A43A-3971895D425F}" type="datetimeFigureOut">
               <a:rPr lang="zh-CN" altLang="en-US" smtClean="0"/>
-              <a:t>2022/5/22</a:t>
+              <a:t>2022/5/23</a:t>
             </a:fld>
             <a:endParaRPr lang="zh-CN" altLang="en-US"/>
           </a:p>
@@ -1848,7 +1848,7 @@
           <a:p>
             <a:fld id="{C4383D76-3146-4541-A43A-3971895D425F}" type="datetimeFigureOut">
               <a:rPr lang="zh-CN" altLang="en-US" smtClean="0"/>
-              <a:t>2022/5/22</a:t>
+              <a:t>2022/5/23</a:t>
             </a:fld>
             <a:endParaRPr lang="zh-CN" altLang="en-US"/>
           </a:p>
@@ -2125,7 +2125,7 @@
           <a:p>
             <a:fld id="{C4383D76-3146-4541-A43A-3971895D425F}" type="datetimeFigureOut">
               <a:rPr lang="zh-CN" altLang="en-US" smtClean="0"/>
-              <a:t>2022/5/22</a:t>
+              <a:t>2022/5/23</a:t>
             </a:fld>
             <a:endParaRPr lang="zh-CN" altLang="en-US"/>
           </a:p>
@@ -2382,7 +2382,7 @@
           <a:p>
             <a:fld id="{C4383D76-3146-4541-A43A-3971895D425F}" type="datetimeFigureOut">
               <a:rPr lang="zh-CN" altLang="en-US" smtClean="0"/>
-              <a:t>2022/5/22</a:t>
+              <a:t>2022/5/23</a:t>
             </a:fld>
             <a:endParaRPr lang="zh-CN" altLang="en-US"/>
           </a:p>
@@ -2595,7 +2595,7 @@
           <a:p>
             <a:fld id="{C4383D76-3146-4541-A43A-3971895D425F}" type="datetimeFigureOut">
               <a:rPr lang="zh-CN" altLang="en-US" smtClean="0"/>
-              <a:t>2022/5/22</a:t>
+              <a:t>2022/5/23</a:t>
             </a:fld>
             <a:endParaRPr lang="zh-CN" altLang="en-US"/>
           </a:p>
@@ -3047,20 +3047,34 @@
         </p:nvSpPr>
         <p:spPr>
           <a:xfrm>
-            <a:off x="1524000" y="3602038"/>
-            <a:ext cx="9144000" cy="409523"/>
+            <a:off x="1524000" y="3602037"/>
+            <a:ext cx="9144000" cy="1677885"/>
           </a:xfrm>
         </p:spPr>
         <p:txBody>
           <a:bodyPr>
-            <a:normAutofit lnSpcReduction="10000"/>
+            <a:normAutofit/>
           </a:bodyPr>
           <a:lstStyle/>
           <a:p>
             <a:r>
+              <a:rPr lang="en-US" altLang="zh-CN" sz="2800" dirty="0"/>
+              <a:t>Group 2</a:t>
+            </a:r>
+          </a:p>
+          <a:p>
+            <a:endParaRPr lang="en-US" altLang="zh-CN" sz="2800" dirty="0"/>
+          </a:p>
+          <a:p>
+            <a:r>
               <a:rPr lang="en-US" altLang="zh-CN" dirty="0"/>
-              <a:t>Group 2</a:t>
-            </a:r>
+              <a:t>Presenter </a:t>
+            </a:r>
+            <a:r>
+              <a:rPr lang="zh-CN" altLang="en-US" dirty="0"/>
+              <a:t>尤锦江</a:t>
+            </a:r>
+            <a:endParaRPr lang="en-US" altLang="zh-CN" dirty="0"/>
           </a:p>
         </p:txBody>
       </p:sp>
